--- a/Processo/CRISP-DM/Diagramas/CRISP-DM-Implantacao.pptx
+++ b/Processo/CRISP-DM/Diagramas/CRISP-DM-Implantacao.pptx
@@ -243,7 +243,7 @@
           <a:p>
             <a:fld id="{4B5AB9DF-E27C-4717-9D6D-F36EBF3560FD}" type="datetimeFigureOut">
               <a:rPr lang="pt-BR" smtClean="0"/>
-              <a:t>18/08/2015</a:t>
+              <a:t>21/09/2015</a:t>
             </a:fld>
             <a:endParaRPr lang="pt-BR"/>
           </a:p>
@@ -413,7 +413,7 @@
           <a:p>
             <a:fld id="{4B5AB9DF-E27C-4717-9D6D-F36EBF3560FD}" type="datetimeFigureOut">
               <a:rPr lang="pt-BR" smtClean="0"/>
-              <a:t>18/08/2015</a:t>
+              <a:t>21/09/2015</a:t>
             </a:fld>
             <a:endParaRPr lang="pt-BR"/>
           </a:p>
@@ -593,7 +593,7 @@
           <a:p>
             <a:fld id="{4B5AB9DF-E27C-4717-9D6D-F36EBF3560FD}" type="datetimeFigureOut">
               <a:rPr lang="pt-BR" smtClean="0"/>
-              <a:t>18/08/2015</a:t>
+              <a:t>21/09/2015</a:t>
             </a:fld>
             <a:endParaRPr lang="pt-BR"/>
           </a:p>
@@ -763,7 +763,7 @@
           <a:p>
             <a:fld id="{4B5AB9DF-E27C-4717-9D6D-F36EBF3560FD}" type="datetimeFigureOut">
               <a:rPr lang="pt-BR" smtClean="0"/>
-              <a:t>18/08/2015</a:t>
+              <a:t>21/09/2015</a:t>
             </a:fld>
             <a:endParaRPr lang="pt-BR"/>
           </a:p>
@@ -1009,7 +1009,7 @@
           <a:p>
             <a:fld id="{4B5AB9DF-E27C-4717-9D6D-F36EBF3560FD}" type="datetimeFigureOut">
               <a:rPr lang="pt-BR" smtClean="0"/>
-              <a:t>18/08/2015</a:t>
+              <a:t>21/09/2015</a:t>
             </a:fld>
             <a:endParaRPr lang="pt-BR"/>
           </a:p>
@@ -1241,7 +1241,7 @@
           <a:p>
             <a:fld id="{4B5AB9DF-E27C-4717-9D6D-F36EBF3560FD}" type="datetimeFigureOut">
               <a:rPr lang="pt-BR" smtClean="0"/>
-              <a:t>18/08/2015</a:t>
+              <a:t>21/09/2015</a:t>
             </a:fld>
             <a:endParaRPr lang="pt-BR"/>
           </a:p>
@@ -1608,7 +1608,7 @@
           <a:p>
             <a:fld id="{4B5AB9DF-E27C-4717-9D6D-F36EBF3560FD}" type="datetimeFigureOut">
               <a:rPr lang="pt-BR" smtClean="0"/>
-              <a:t>18/08/2015</a:t>
+              <a:t>21/09/2015</a:t>
             </a:fld>
             <a:endParaRPr lang="pt-BR"/>
           </a:p>
@@ -1726,7 +1726,7 @@
           <a:p>
             <a:fld id="{4B5AB9DF-E27C-4717-9D6D-F36EBF3560FD}" type="datetimeFigureOut">
               <a:rPr lang="pt-BR" smtClean="0"/>
-              <a:t>18/08/2015</a:t>
+              <a:t>21/09/2015</a:t>
             </a:fld>
             <a:endParaRPr lang="pt-BR"/>
           </a:p>
@@ -1821,7 +1821,7 @@
           <a:p>
             <a:fld id="{4B5AB9DF-E27C-4717-9D6D-F36EBF3560FD}" type="datetimeFigureOut">
               <a:rPr lang="pt-BR" smtClean="0"/>
-              <a:t>18/08/2015</a:t>
+              <a:t>21/09/2015</a:t>
             </a:fld>
             <a:endParaRPr lang="pt-BR"/>
           </a:p>
@@ -2098,7 +2098,7 @@
           <a:p>
             <a:fld id="{4B5AB9DF-E27C-4717-9D6D-F36EBF3560FD}" type="datetimeFigureOut">
               <a:rPr lang="pt-BR" smtClean="0"/>
-              <a:t>18/08/2015</a:t>
+              <a:t>21/09/2015</a:t>
             </a:fld>
             <a:endParaRPr lang="pt-BR"/>
           </a:p>
@@ -2351,7 +2351,7 @@
           <a:p>
             <a:fld id="{4B5AB9DF-E27C-4717-9D6D-F36EBF3560FD}" type="datetimeFigureOut">
               <a:rPr lang="pt-BR" smtClean="0"/>
-              <a:t>18/08/2015</a:t>
+              <a:t>21/09/2015</a:t>
             </a:fld>
             <a:endParaRPr lang="pt-BR"/>
           </a:p>
@@ -2564,7 +2564,7 @@
           <a:p>
             <a:fld id="{4B5AB9DF-E27C-4717-9D6D-F36EBF3560FD}" type="datetimeFigureOut">
               <a:rPr lang="pt-BR" smtClean="0"/>
-              <a:t>18/08/2015</a:t>
+              <a:t>21/09/2015</a:t>
             </a:fld>
             <a:endParaRPr lang="pt-BR"/>
           </a:p>
@@ -3046,7 +3046,7 @@
         <p:spPr>
           <a:xfrm>
             <a:off x="6142653" y="1193085"/>
-            <a:ext cx="1260000" cy="484632"/>
+            <a:ext cx="1320828" cy="484632"/>
           </a:xfrm>
           <a:prstGeom prst="chevron">
             <a:avLst/>
@@ -3087,7 +3087,7 @@
                   </a:outerShdw>
                 </a:effectLst>
               </a:rPr>
-              <a:t>Instalação</a:t>
+              <a:t>Implantação</a:t>
             </a:r>
             <a:endParaRPr lang="pt-BR" sz="1000" dirty="0">
               <a:ln w="0"/>
@@ -3580,8 +3580,8 @@
         </p:nvCxnSpPr>
         <p:spPr>
           <a:xfrm rot="5400000">
-            <a:off x="3947943" y="-698955"/>
-            <a:ext cx="326880" cy="5080225"/>
+            <a:off x="3963150" y="-714162"/>
+            <a:ext cx="326880" cy="5110639"/>
           </a:xfrm>
           <a:prstGeom prst="bentConnector3">
             <a:avLst>
@@ -4102,7 +4102,7 @@
         </p:nvCxnSpPr>
         <p:spPr>
           <a:xfrm>
-            <a:off x="3292044" y="2587323"/>
+            <a:off x="3283806" y="2587323"/>
             <a:ext cx="230660" cy="0"/>
           </a:xfrm>
           <a:prstGeom prst="line">
@@ -4290,7 +4290,7 @@
         </p:nvSpPr>
         <p:spPr>
           <a:xfrm>
-            <a:off x="2377644" y="5041380"/>
+            <a:off x="2364258" y="5042458"/>
             <a:ext cx="914400" cy="612648"/>
           </a:xfrm>
           <a:prstGeom prst="flowChartDocument">
